--- a/presentations/slides.pptx
+++ b/presentations/slides.pptx
@@ -156,147 +156,6 @@
 </inkml:ink>
 </file>
 
-<file path=ppt/ink/inkAction1.xml><?xml version="1.0" encoding="utf-8"?>
-<iact:actions xmlns:iact="http://schemas.microsoft.com/office/powerpoint/2014/inkAction" lengthUnit="cm" timeUnit="ms">
-  <inkml:definitions xmlns:inkml="http://www.w3.org/2003/InkML">
-    <inkml:context xml:id="ctx0">
-      <inkml:inkSource xml:id="inkSrc0">
-        <inkml:traceFormat>
-          <inkml:channel name="X" type="integer" max="2400" units="cm"/>
-          <inkml:channel name="Y" type="integer" max="1600" units="cm"/>
-          <inkml:channel name="T" type="integer" max="2.14748E9" units="dev"/>
-        </inkml:traceFormat>
-        <inkml:channelProperties>
-          <inkml:channelProperty channel="X" name="resolution" value="79.20792" units="1/cm"/>
-          <inkml:channelProperty channel="Y" name="resolution" value="79.20792" units="1/cm"/>
-          <inkml:channelProperty channel="T" name="resolution" value="1" units="1/dev"/>
-        </inkml:channelProperties>
-      </inkml:inkSource>
-      <inkml:timestamp xml:id="ts0" timeString="2024-06-11T21:04:56.517"/>
-    </inkml:context>
-    <inkml:brush xml:id="br0">
-      <inkml:brushProperty name="width" value="0.05292" units="cm"/>
-      <inkml:brushProperty name="height" value="0.05292" units="cm"/>
-      <inkml:brushProperty name="color" value="#C00000"/>
-    </inkml:brush>
-    <inkml:brush xml:id="br1">
-      <inkml:brushProperty name="width" value="0.055" units="cm"/>
-      <inkml:brushProperty name="height" value="0.055" units="cm"/>
-    </inkml:brush>
-  </inkml:definitions>
-  <iact:action type="add" startTime="10471">
-    <iact:property name="dataType"/>
-    <iact:actionData xml:id="d0">
-      <inkml:trace xmlns:inkml="http://www.w3.org/2003/InkML" xml:id="stk0" contextRef="#ctx0" brushRef="#br0">9969 14326 0,'-52'0'190,"-133"0"-159,-105-26 3,237 26-32,-211-105 38,185 52-39,-237-79 36,184 105-35,53 1-2,0-27 42,-185-52-39,132 52 52,53 0-53,53 53 42,26-53-16,-27-184-26,27 211 28,27-54-28,210-78 34,-158 105-34,0 27 48,528-53-48,-185 79 34,-27 0 17,80 105-51,-290 27 64,-80 0-64,-105-105 45,132 157-45,-132-157 20,27 52-20,-1 26 38,0 27-38,-26-105 12,0 25-13,0 133 28,-105-53 9,26-53-37,-370 106 72,159-238-71,158-26 63,53 26-63,53 53 27,-1 0-27,-52-79 38</inkml:trace>
-    </iact:actionData>
-  </iact:action>
-  <iact:action type="remove" startTime="13415">
-    <iact:property name="style" value="instant"/>
-    <iact:actionData xml:id="d1" ref="#d0"/>
-  </iact:action>
-  <iact:action type="add" startTime="13185">
-    <iact:property name="dataType" value="strokeEraser"/>
-    <iact:actionData xml:id="d2">
-      <inkml:trace xmlns:inkml="http://www.w3.org/2003/InkML" xml:id="stk1" contextRef="#ctx0" brushRef="#br1">26745 30870 0,'-53'27'135,"1"-1"-127,-159 133 2,-53 25 9,106-25-11,-27-107-2,53 28 1,0 25 1,-132 53 1,133-52 4,25-1-4,-316 318 12,237-239-14,-210 133 0,210-212 7,1 1-11,104-53 9,-51 26-10,78-53 9,26 1-3,-25-1 0,25-26 1</inkml:trace>
-    </iact:actionData>
-  </iact:action>
-</iact:actions>
-</file>
-
-<file path=ppt/ink/inkAction2.xml><?xml version="1.0" encoding="utf-8"?>
-<iact:actions xmlns:iact="http://schemas.microsoft.com/office/powerpoint/2014/inkAction" lengthUnit="cm" timeUnit="ms">
-  <inkml:definitions xmlns:inkml="http://www.w3.org/2003/InkML">
-    <inkml:context xml:id="ctx0">
-      <inkml:inkSource xml:id="inkSrc0">
-        <inkml:traceFormat>
-          <inkml:channel name="X" type="integer" max="2400" units="cm"/>
-          <inkml:channel name="Y" type="integer" max="1600" units="cm"/>
-          <inkml:channel name="T" type="integer" max="2.14748E9" units="dev"/>
-        </inkml:traceFormat>
-        <inkml:channelProperties>
-          <inkml:channelProperty channel="X" name="resolution" value="79.20792" units="1/cm"/>
-          <inkml:channelProperty channel="Y" name="resolution" value="79.20792" units="1/cm"/>
-          <inkml:channelProperty channel="T" name="resolution" value="1" units="1/dev"/>
-        </inkml:channelProperties>
-      </inkml:inkSource>
-      <inkml:timestamp xml:id="ts0" timeString="2024-06-11T21:04:56.517"/>
-    </inkml:context>
-    <inkml:brush xml:id="br0">
-      <inkml:brushProperty name="width" value="0.05292" units="cm"/>
-      <inkml:brushProperty name="height" value="0.05292" units="cm"/>
-      <inkml:brushProperty name="color" value="#C00000"/>
-    </inkml:brush>
-    <inkml:brush xml:id="br1">
-      <inkml:brushProperty name="width" value="0.055" units="cm"/>
-      <inkml:brushProperty name="height" value="0.055" units="cm"/>
-    </inkml:brush>
-  </inkml:definitions>
-  <iact:action type="add" startTime="19941">
-    <iact:property name="dataType"/>
-    <iact:actionData xml:id="d0">
-      <inkml:trace xmlns:inkml="http://www.w3.org/2003/InkML" xml:id="stk0" contextRef="#ctx0" brushRef="#br0">25136 5567 0,'211'52'176,"-80"-25"-142,-78 26-32,26-1 35,238 344-35,105 79 58,-317-317-59,80 1 66,-53 105-65,-132-212 28,26 502-28,-26-395 29,0 157-30,-79-131 40,53-106-39,-1-26-2,-210 316 64,-27 27-62,27-106 61,184-263-60,27-1 26,-132-79-26,-106-369 36,211 343-36,-53-185 23,54 132-23,-1 27 30,53 78-30,-26-157 34,-27-107-1,53 212-32,0-26 2,0 26-6,0-185 46,26 79-43,-26 106 36,106-211-36,-54 105 18,28 79-20,25-237 54,-52 132-53,-27 132 40,1-158-40,-1 131 39,-26 80-39,0-1-1,26-25 57,1-80-56</inkml:trace>
-    </iact:actionData>
-  </iact:action>
-  <iact:action type="remove" startTime="23601">
-    <iact:property name="style" value="instant"/>
-    <iact:actionData xml:id="d1" ref="#d0"/>
-  </iact:action>
-  <iact:action type="add" startTime="23446">
-    <iact:property name="dataType" value="strokeEraser"/>
-    <iact:actionData xml:id="d2">
-      <inkml:trace xmlns:inkml="http://www.w3.org/2003/InkML" xml:id="stk1" contextRef="#ctx0" brushRef="#br1">42175 24380 0,'-158'105'116,"-80"54"-107,54-1-1,-265 159 1,265-212 7,-54 106-16,1 27 9,-159 78-4,133-78 5,-133 131-2,53-79 1,53-26-1,-449 396 1,265-238-1,184-132 0,-1-52-1,54-27 3,26-53-2,-106 53 1,265-184 1,-1-1-5</inkml:trace>
-    </iact:actionData>
-  </iact:action>
-</iact:actions>
-</file>
-
-<file path=ppt/ink/inkAction3.xml><?xml version="1.0" encoding="utf-8"?>
-<iact:actions xmlns:iact="http://schemas.microsoft.com/office/powerpoint/2014/inkAction" lengthUnit="cm" timeUnit="ms">
-  <inkml:definitions xmlns:inkml="http://www.w3.org/2003/InkML">
-    <inkml:context xml:id="ctx0">
-      <inkml:inkSource xml:id="inkSrc0">
-        <inkml:traceFormat>
-          <inkml:channel name="X" type="integer" max="2400" units="cm"/>
-          <inkml:channel name="Y" type="integer" max="1600" units="cm"/>
-          <inkml:channel name="T" type="integer" max="2.14748E9" units="dev"/>
-        </inkml:traceFormat>
-        <inkml:channelProperties>
-          <inkml:channelProperty channel="X" name="resolution" value="79.20792" units="1/cm"/>
-          <inkml:channelProperty channel="Y" name="resolution" value="79.20792" units="1/cm"/>
-          <inkml:channelProperty channel="T" name="resolution" value="1" units="1/dev"/>
-        </inkml:channelProperties>
-      </inkml:inkSource>
-      <inkml:timestamp xml:id="ts0" timeString="2024-06-11T21:04:56.517"/>
-    </inkml:context>
-    <inkml:brush xml:id="br0">
-      <inkml:brushProperty name="width" value="0.05292" units="cm"/>
-      <inkml:brushProperty name="height" value="0.05292" units="cm"/>
-      <inkml:brushProperty name="color" value="#C00000"/>
-    </inkml:brush>
-    <inkml:brush xml:id="br1">
-      <inkml:brushProperty name="width" value="0.055" units="cm"/>
-      <inkml:brushProperty name="height" value="0.055" units="cm"/>
-    </inkml:brush>
-  </inkml:definitions>
-  <iact:action type="add" startTime="19941">
-    <iact:property name="dataType"/>
-    <iact:actionData xml:id="d0">
-      <inkml:trace xmlns:inkml="http://www.w3.org/2003/InkML" xml:id="stk0" contextRef="#ctx0" brushRef="#br0">25136 5567 0,'211'52'176,"-80"-25"-142,-78 26-32,26-1 35,238 344-35,105 79 58,-317-317-59,80 1 66,-53 105-65,-132-212 28,26 502-28,-26-395 29,0 157-30,-79-131 40,53-106-39,-1-26-2,-210 316 64,-27 27-62,27-106 61,184-263-60,27-1 26,-132-79-26,-106-369 36,211 343-36,-53-185 23,54 132-23,-1 27 30,53 78-30,-26-157 34,-27-107-1,53 212-32,0-26 2,0 26-6,0-185 46,26 79-43,-26 106 36,106-211-36,-54 105 18,28 79-20,25-237 54,-52 132-53,-27 132 40,1-158-40,-1 131 39,-26 80-39,0-1-1,26-25 57,1-80-56</inkml:trace>
-    </iact:actionData>
-  </iact:action>
-  <iact:action type="remove" startTime="23601">
-    <iact:property name="style" value="instant"/>
-    <iact:actionData xml:id="d1" ref="#d0"/>
-  </iact:action>
-  <iact:action type="add" startTime="23446">
-    <iact:property name="dataType" value="strokeEraser"/>
-    <iact:actionData xml:id="d2">
-      <inkml:trace xmlns:inkml="http://www.w3.org/2003/InkML" xml:id="stk1" contextRef="#ctx0" brushRef="#br1">42175 24380 0,'-158'105'116,"-80"54"-107,54-1-1,-265 159 1,265-212 7,-54 106-16,1 27 9,-159 78-4,133-78 5,-133 131-2,53-79 1,53-26-1,-449 396 1,265-238-1,184-132 0,-1-52-1,54-27 3,26-53-2,-106 53 1,265-184 1,-1-1-5</inkml:trace>
-    </iact:actionData>
-  </iact:action>
-</iact:actions>
-</file>
-
 <file path=ppt/notesMasters/notesMaster1.xml><?xml version="1.0" encoding="utf-8"?>
 <p:notesMaster xmlns:a="http://schemas.openxmlformats.org/drawingml/2006/main" xmlns:r="http://schemas.openxmlformats.org/officeDocument/2006/relationships" xmlns:p="http://schemas.openxmlformats.org/presentationml/2006/main">
   <p:cSld>
@@ -379,7 +238,7 @@
           <a:p>
             <a:fld id="{E9996186-DBBA-4D96-AE4F-21ACB422739D}" type="datetimeFigureOut">
               <a:rPr lang="en-GB" smtClean="0"/>
-              <a:t>19/06/2024</a:t>
+              <a:t>20/06/2024</a:t>
             </a:fld>
             <a:endParaRPr lang="en-GB"/>
           </a:p>
@@ -731,6 +590,90 @@
 </p:notes>
 </file>
 
+<file path=ppt/notesSlides/notesSlide2.xml><?xml version="1.0" encoding="utf-8"?>
+<p:notes xmlns:a="http://schemas.openxmlformats.org/drawingml/2006/main" xmlns:r="http://schemas.openxmlformats.org/officeDocument/2006/relationships" xmlns:p="http://schemas.openxmlformats.org/presentationml/2006/main">
+  <p:cSld>
+    <p:spTree>
+      <p:nvGrpSpPr>
+        <p:cNvPr id="1" name=""/>
+        <p:cNvGrpSpPr/>
+        <p:nvPr/>
+      </p:nvGrpSpPr>
+      <p:grpSpPr>
+        <a:xfrm>
+          <a:off x="0" y="0"/>
+          <a:ext cx="0" cy="0"/>
+          <a:chOff x="0" y="0"/>
+          <a:chExt cx="0" cy="0"/>
+        </a:xfrm>
+      </p:grpSpPr>
+      <p:sp>
+        <p:nvSpPr>
+          <p:cNvPr id="2" name="Slide Image Placeholder 1"/>
+          <p:cNvSpPr>
+            <a:spLocks noGrp="1" noRot="1" noChangeAspect="1"/>
+          </p:cNvSpPr>
+          <p:nvPr>
+            <p:ph type="sldImg"/>
+          </p:nvPr>
+        </p:nvSpPr>
+        <p:spPr/>
+      </p:sp>
+      <p:sp>
+        <p:nvSpPr>
+          <p:cNvPr id="3" name="Notes Placeholder 2"/>
+          <p:cNvSpPr>
+            <a:spLocks noGrp="1"/>
+          </p:cNvSpPr>
+          <p:nvPr>
+            <p:ph type="body" idx="1"/>
+          </p:nvPr>
+        </p:nvSpPr>
+        <p:spPr/>
+        <p:txBody>
+          <a:bodyPr/>
+          <a:lstStyle/>
+          <a:p>
+            <a:endParaRPr lang="en-GB"/>
+          </a:p>
+        </p:txBody>
+      </p:sp>
+      <p:sp>
+        <p:nvSpPr>
+          <p:cNvPr id="4" name="Slide Number Placeholder 3"/>
+          <p:cNvSpPr>
+            <a:spLocks noGrp="1"/>
+          </p:cNvSpPr>
+          <p:nvPr>
+            <p:ph type="sldNum" sz="quarter" idx="5"/>
+          </p:nvPr>
+        </p:nvSpPr>
+        <p:spPr/>
+        <p:txBody>
+          <a:bodyPr/>
+          <a:lstStyle/>
+          <a:p>
+            <a:fld id="{3B103CE5-13A4-48C1-B603-95BD35959121}" type="slidenum">
+              <a:rPr lang="en-GB" smtClean="0"/>
+              <a:t>2</a:t>
+            </a:fld>
+            <a:endParaRPr lang="en-GB"/>
+          </a:p>
+        </p:txBody>
+      </p:sp>
+    </p:spTree>
+    <p:extLst>
+      <p:ext uri="{BB962C8B-B14F-4D97-AF65-F5344CB8AC3E}">
+        <p14:creationId xmlns:p14="http://schemas.microsoft.com/office/powerpoint/2010/main" val="718171753"/>
+      </p:ext>
+    </p:extLst>
+  </p:cSld>
+  <p:clrMapOvr>
+    <a:masterClrMapping/>
+  </p:clrMapOvr>
+</p:notes>
+</file>
+
 <file path=ppt/slideLayouts/slideLayout1.xml><?xml version="1.0" encoding="utf-8"?>
 <p:sldLayout xmlns:a="http://schemas.openxmlformats.org/drawingml/2006/main" xmlns:r="http://schemas.openxmlformats.org/officeDocument/2006/relationships" xmlns:p="http://schemas.openxmlformats.org/presentationml/2006/main" type="title" preserve="1">
   <p:cSld name="Title Slide">
@@ -880,7 +823,7 @@
           <a:p>
             <a:fld id="{DDD4F01B-4639-4EA4-89D6-EFC441639F72}" type="datetimeFigureOut">
               <a:rPr lang="en-GB" smtClean="0"/>
-              <a:t>19/06/2024</a:t>
+              <a:t>20/06/2024</a:t>
             </a:fld>
             <a:endParaRPr lang="en-GB"/>
           </a:p>
@@ -1080,7 +1023,7 @@
           <a:p>
             <a:fld id="{DDD4F01B-4639-4EA4-89D6-EFC441639F72}" type="datetimeFigureOut">
               <a:rPr lang="en-GB" smtClean="0"/>
-              <a:t>19/06/2024</a:t>
+              <a:t>20/06/2024</a:t>
             </a:fld>
             <a:endParaRPr lang="en-GB"/>
           </a:p>
@@ -1290,7 +1233,7 @@
           <a:p>
             <a:fld id="{DDD4F01B-4639-4EA4-89D6-EFC441639F72}" type="datetimeFigureOut">
               <a:rPr lang="en-GB" smtClean="0"/>
-              <a:t>19/06/2024</a:t>
+              <a:t>20/06/2024</a:t>
             </a:fld>
             <a:endParaRPr lang="en-GB"/>
           </a:p>
@@ -1490,7 +1433,7 @@
           <a:p>
             <a:fld id="{DDD4F01B-4639-4EA4-89D6-EFC441639F72}" type="datetimeFigureOut">
               <a:rPr lang="en-GB" smtClean="0"/>
-              <a:t>19/06/2024</a:t>
+              <a:t>20/06/2024</a:t>
             </a:fld>
             <a:endParaRPr lang="en-GB"/>
           </a:p>
@@ -1766,7 +1709,7 @@
           <a:p>
             <a:fld id="{DDD4F01B-4639-4EA4-89D6-EFC441639F72}" type="datetimeFigureOut">
               <a:rPr lang="en-GB" smtClean="0"/>
-              <a:t>19/06/2024</a:t>
+              <a:t>20/06/2024</a:t>
             </a:fld>
             <a:endParaRPr lang="en-GB"/>
           </a:p>
@@ -2034,7 +1977,7 @@
           <a:p>
             <a:fld id="{DDD4F01B-4639-4EA4-89D6-EFC441639F72}" type="datetimeFigureOut">
               <a:rPr lang="en-GB" smtClean="0"/>
-              <a:t>19/06/2024</a:t>
+              <a:t>20/06/2024</a:t>
             </a:fld>
             <a:endParaRPr lang="en-GB"/>
           </a:p>
@@ -2449,7 +2392,7 @@
           <a:p>
             <a:fld id="{DDD4F01B-4639-4EA4-89D6-EFC441639F72}" type="datetimeFigureOut">
               <a:rPr lang="en-GB" smtClean="0"/>
-              <a:t>19/06/2024</a:t>
+              <a:t>20/06/2024</a:t>
             </a:fld>
             <a:endParaRPr lang="en-GB"/>
           </a:p>
@@ -2591,7 +2534,7 @@
           <a:p>
             <a:fld id="{DDD4F01B-4639-4EA4-89D6-EFC441639F72}" type="datetimeFigureOut">
               <a:rPr lang="en-GB" smtClean="0"/>
-              <a:t>19/06/2024</a:t>
+              <a:t>20/06/2024</a:t>
             </a:fld>
             <a:endParaRPr lang="en-GB"/>
           </a:p>
@@ -2704,7 +2647,7 @@
           <a:p>
             <a:fld id="{DDD4F01B-4639-4EA4-89D6-EFC441639F72}" type="datetimeFigureOut">
               <a:rPr lang="en-GB" smtClean="0"/>
-              <a:t>19/06/2024</a:t>
+              <a:t>20/06/2024</a:t>
             </a:fld>
             <a:endParaRPr lang="en-GB"/>
           </a:p>
@@ -3017,7 +2960,7 @@
           <a:p>
             <a:fld id="{DDD4F01B-4639-4EA4-89D6-EFC441639F72}" type="datetimeFigureOut">
               <a:rPr lang="en-GB" smtClean="0"/>
-              <a:t>19/06/2024</a:t>
+              <a:t>20/06/2024</a:t>
             </a:fld>
             <a:endParaRPr lang="en-GB"/>
           </a:p>
@@ -3306,7 +3249,7 @@
           <a:p>
             <a:fld id="{DDD4F01B-4639-4EA4-89D6-EFC441639F72}" type="datetimeFigureOut">
               <a:rPr lang="en-GB" smtClean="0"/>
-              <a:t>19/06/2024</a:t>
+              <a:t>20/06/2024</a:t>
             </a:fld>
             <a:endParaRPr lang="en-GB"/>
           </a:p>
@@ -3549,7 +3492,7 @@
           <a:p>
             <a:fld id="{DDD4F01B-4639-4EA4-89D6-EFC441639F72}" type="datetimeFigureOut">
               <a:rPr lang="en-GB" smtClean="0"/>
-              <a:t>19/06/2024</a:t>
+              <a:t>20/06/2024</a:t>
             </a:fld>
             <a:endParaRPr lang="en-GB"/>
           </a:p>
@@ -4040,12 +3983,12 @@
   <p:clrMapOvr>
     <a:masterClrMapping/>
   </p:clrMapOvr>
-  <mc:AlternateContent xmlns:mc="http://schemas.openxmlformats.org/markup-compatibility/2006" xmlns:p14="http://schemas.microsoft.com/office/powerpoint/2010/main">
-    <mc:Choice Requires="p14">
-      <p:transition spd="slow" p14:dur="2000" advTm="7976"/>
+  <mc:AlternateContent xmlns:mc="http://schemas.openxmlformats.org/markup-compatibility/2006">
+    <mc:Choice xmlns:p14="http://schemas.microsoft.com/office/powerpoint/2010/main" Requires="p14">
+      <p:transition spd="slow" p14:dur="2000" advTm="4842"/>
     </mc:Choice>
-    <mc:Fallback xmlns="">
-      <p:transition spd="slow" advTm="7976"/>
+    <mc:Fallback>
+      <p:transition spd="slow" advTm="4842"/>
     </mc:Fallback>
   </mc:AlternateContent>
 </p:sld>
@@ -4240,12 +4183,12 @@
   <p:clrMapOvr>
     <a:masterClrMapping/>
   </p:clrMapOvr>
-  <mc:AlternateContent xmlns:mc="http://schemas.openxmlformats.org/markup-compatibility/2006" xmlns:p14="http://schemas.microsoft.com/office/powerpoint/2010/main">
-    <mc:Choice Requires="p14">
-      <p:transition spd="slow" p14:dur="2000" advTm="57496"/>
+  <mc:AlternateContent xmlns:mc="http://schemas.openxmlformats.org/markup-compatibility/2006">
+    <mc:Choice xmlns:p14="http://schemas.microsoft.com/office/powerpoint/2010/main" Requires="p14">
+      <p:transition spd="slow" p14:dur="2000" advTm="91091"/>
     </mc:Choice>
-    <mc:Fallback xmlns="">
-      <p:transition spd="slow" advTm="57496"/>
+    <mc:Fallback>
+      <p:transition spd="slow" advTm="91091"/>
     </mc:Fallback>
   </mc:AlternateContent>
 </p:sld>
@@ -4632,12 +4575,12 @@
   <p:clrMapOvr>
     <a:masterClrMapping/>
   </p:clrMapOvr>
-  <mc:AlternateContent xmlns:mc="http://schemas.openxmlformats.org/markup-compatibility/2006" xmlns:p14="http://schemas.microsoft.com/office/powerpoint/2010/main">
-    <mc:Choice Requires="p14">
-      <p:transition spd="slow" p14:dur="2000" advTm="19465"/>
+  <mc:AlternateContent xmlns:mc="http://schemas.openxmlformats.org/markup-compatibility/2006">
+    <mc:Choice xmlns:p14="http://schemas.microsoft.com/office/powerpoint/2010/main" Requires="p14">
+      <p:transition spd="slow" p14:dur="2000" advTm="46703"/>
     </mc:Choice>
-    <mc:Fallback xmlns="">
-      <p:transition spd="slow" advTm="19465"/>
+    <mc:Fallback>
+      <p:transition spd="slow" advTm="46703"/>
     </mc:Fallback>
   </mc:AlternateContent>
 </p:sld>
@@ -4779,12 +4722,12 @@
   <p:clrMapOvr>
     <a:masterClrMapping/>
   </p:clrMapOvr>
-  <mc:AlternateContent xmlns:mc="http://schemas.openxmlformats.org/markup-compatibility/2006" xmlns:p14="http://schemas.microsoft.com/office/powerpoint/2010/main">
-    <mc:Choice Requires="p14">
-      <p:transition spd="slow" p14:dur="2000" advTm="18762"/>
+  <mc:AlternateContent xmlns:mc="http://schemas.openxmlformats.org/markup-compatibility/2006">
+    <mc:Choice xmlns:p14="http://schemas.microsoft.com/office/powerpoint/2010/main" Requires="p14">
+      <p:transition spd="slow" p14:dur="2000" advTm="28795"/>
     </mc:Choice>
-    <mc:Fallback xmlns="">
-      <p:transition spd="slow" advTm="18762"/>
+    <mc:Fallback>
+      <p:transition spd="slow" advTm="28795"/>
     </mc:Fallback>
   </mc:AlternateContent>
 </p:sld>
@@ -4902,17 +4845,7 @@
             </a:pPr>
             <a:r>
               <a:rPr lang="en-GB" dirty="0"/>
-              <a:t>Machine Learning Model Deployment</a:t>
-            </a:r>
-          </a:p>
-          <a:p>
-            <a:pPr marL="514350" indent="-514350">
-              <a:buFont typeface="+mj-lt"/>
-              <a:buAutoNum type="arabicParenR"/>
-            </a:pPr>
-            <a:r>
-              <a:rPr lang="en-GB" dirty="0"/>
-              <a:t>Conclusions</a:t>
+              <a:t>Conclusion</a:t>
             </a:r>
           </a:p>
         </p:txBody>
@@ -4927,12 +4860,12 @@
   <p:clrMapOvr>
     <a:masterClrMapping/>
   </p:clrMapOvr>
-  <mc:AlternateContent xmlns:mc="http://schemas.openxmlformats.org/markup-compatibility/2006" xmlns:p14="http://schemas.microsoft.com/office/powerpoint/2010/main">
-    <mc:Choice Requires="p14">
-      <p:transition spd="slow" p14:dur="2000" advTm="11520"/>
+  <mc:AlternateContent xmlns:mc="http://schemas.openxmlformats.org/markup-compatibility/2006">
+    <mc:Choice xmlns:p14="http://schemas.microsoft.com/office/powerpoint/2010/main" Requires="p14">
+      <p:transition spd="slow" p14:dur="2000" advTm="17888"/>
     </mc:Choice>
-    <mc:Fallback xmlns="">
-      <p:transition spd="slow" advTm="11520"/>
+    <mc:Fallback>
+      <p:transition spd="slow" advTm="17888"/>
     </mc:Fallback>
   </mc:AlternateContent>
 </p:sld>
@@ -5051,12 +4984,12 @@
   <p:clrMapOvr>
     <a:masterClrMapping/>
   </p:clrMapOvr>
-  <mc:AlternateContent xmlns:mc="http://schemas.openxmlformats.org/markup-compatibility/2006" xmlns:p14="http://schemas.microsoft.com/office/powerpoint/2010/main">
-    <mc:Choice Requires="p14">
-      <p:transition spd="slow" p14:dur="2000" advTm="11434"/>
+  <mc:AlternateContent xmlns:mc="http://schemas.openxmlformats.org/markup-compatibility/2006">
+    <mc:Choice xmlns:p14="http://schemas.microsoft.com/office/powerpoint/2010/main" Requires="p14">
+      <p:transition spd="slow" p14:dur="2000" advTm="21940"/>
     </mc:Choice>
-    <mc:Fallback xmlns="">
-      <p:transition spd="slow" advTm="11434"/>
+    <mc:Fallback>
+      <p:transition spd="slow" advTm="21940"/>
     </mc:Fallback>
   </mc:AlternateContent>
 </p:sld>
@@ -5954,65 +5887,6 @@
           </p:pic>
         </mc:Fallback>
       </mc:AlternateContent>
-      <mc:AlternateContent xmlns:mc="http://schemas.openxmlformats.org/markup-compatibility/2006" xmlns:p14="http://schemas.microsoft.com/office/powerpoint/2010/main" xmlns:iact="http://schemas.microsoft.com/office/powerpoint/2014/inkAction">
-        <mc:Choice Requires="p14 iact">
-          <p:contentPart p14:bwMode="auto" r:id="rId4">
-            <p14:nvContentPartPr>
-              <p14:cNvPr id="6" name="Ink 5">
-                <a:extLst>
-                  <a:ext uri="{FF2B5EF4-FFF2-40B4-BE49-F238E27FC236}">
-                    <a16:creationId xmlns:a16="http://schemas.microsoft.com/office/drawing/2014/main" id="{73B61D4F-A3FF-673E-7C13-B9BB6E90734F}"/>
-                  </a:ext>
-                </a:extLst>
-              </p14:cNvPr>
-              <p14:cNvContentPartPr/>
-              <p14:nvPr>
-                <p:extLst>
-                  <p:ext uri="{42D2F446-02D8-4167-A562-619A0277C38B}">
-                    <p15:isNarration xmlns:p15="http://schemas.microsoft.com/office/powerpoint/2012/main" val="1"/>
-                  </p:ext>
-                </p:extLst>
-              </p14:nvPr>
-            </p14:nvContentPartPr>
-            <p14:xfrm>
-              <a:off x="6238439" y="8344619"/>
-              <a:ext cx="2" cy="2"/>
-            </p14:xfrm>
-          </p:contentPart>
-        </mc:Choice>
-        <mc:Fallback xmlns="">
-          <p:pic>
-            <p:nvPicPr>
-              <p:cNvPr id="6" name="Ink 5">
-                <a:extLst>
-                  <a:ext uri="{FF2B5EF4-FFF2-40B4-BE49-F238E27FC236}">
-                    <a16:creationId xmlns:a16="http://schemas.microsoft.com/office/drawing/2014/main" id="{73B61D4F-A3FF-673E-7C13-B9BB6E90734F}"/>
-                  </a:ext>
-                </a:extLst>
-              </p:cNvPr>
-              <p:cNvPicPr>
-                <a:picLocks noGrp="1" noRot="1" noChangeAspect="1" noMove="1" noResize="1" noEditPoints="1" noAdjustHandles="1" noChangeArrowheads="1" noChangeShapeType="1"/>
-              </p:cNvPicPr>
-              <p:nvPr/>
-            </p:nvPicPr>
-            <p:blipFill>
-              <a:blip r:embed="rId5"/>
-              <a:stretch>
-                <a:fillRect/>
-              </a:stretch>
-            </p:blipFill>
-            <p:spPr>
-              <a:xfrm>
-                <a:off x="6238439" y="8344619"/>
-                <a:ext cx="2" cy="2"/>
-              </a:xfrm>
-              <a:prstGeom prst="rect">
-                <a:avLst/>
-              </a:prstGeom>
-            </p:spPr>
-          </p:pic>
-        </mc:Fallback>
-      </mc:AlternateContent>
     </p:spTree>
     <p:extLst>
       <p:ext uri="{BB962C8B-B14F-4D97-AF65-F5344CB8AC3E}">
@@ -6023,100 +5897,14 @@
   <p:clrMapOvr>
     <a:masterClrMapping/>
   </p:clrMapOvr>
-  <mc:AlternateContent xmlns:mc="http://schemas.openxmlformats.org/markup-compatibility/2006" xmlns:p14="http://schemas.microsoft.com/office/powerpoint/2010/main">
-    <mc:Choice Requires="p14">
-      <p:transition spd="slow" p14:dur="2000" advTm="18102"/>
+  <mc:AlternateContent xmlns:mc="http://schemas.openxmlformats.org/markup-compatibility/2006">
+    <mc:Choice xmlns:p14="http://schemas.microsoft.com/office/powerpoint/2010/main" Requires="p14">
+      <p:transition spd="slow" p14:dur="2000" advTm="19893"/>
     </mc:Choice>
-    <mc:Fallback xmlns="">
-      <p:transition spd="slow" advTm="18102"/>
+    <mc:Fallback>
+      <p:transition spd="slow" advTm="19893"/>
     </mc:Fallback>
   </mc:AlternateContent>
-  <p:timing>
-    <p:tnLst>
-      <p:par>
-        <p:cTn id="1" dur="indefinite" restart="never" nodeType="tmRoot">
-          <p:childTnLst>
-            <p:seq concurrent="1" nextAc="seek">
-              <p:cTn id="2" dur="indefinite" nodeType="mainSeq">
-                <p:childTnLst>
-                  <p:par>
-                    <p:cTn id="3" fill="hold">
-                      <p:stCondLst>
-                        <p:cond delay="indefinite"/>
-                        <p:cond evt="onBegin" delay="0">
-                          <p:tn val="2"/>
-                        </p:cond>
-                      </p:stCondLst>
-                      <p:childTnLst>
-                        <p:par>
-                          <p:cTn id="4" fill="hold">
-                            <p:stCondLst>
-                              <p:cond delay="0"/>
-                            </p:stCondLst>
-                            <p:childTnLst>
-                              <p:par>
-                                <p:cTn id="5" presetID="59" presetClass="entr" presetSubtype="0" fill="hold" nodeType="withEffect">
-                                  <p:stCondLst>
-                                    <p:cond delay="0"/>
-                                  </p:stCondLst>
-                                  <p:childTnLst>
-                                    <p:set>
-                                      <p:cBhvr>
-                                        <p:cTn id="6" dur="1" fill="hold">
-                                          <p:stCondLst>
-                                            <p:cond delay="0"/>
-                                          </p:stCondLst>
-                                        </p:cTn>
-                                        <p:tgtEl>
-                                          <p:spTgt spid="6"/>
-                                        </p:tgtEl>
-                                        <p:attrNameLst>
-                                          <p:attrName>style.visibility</p:attrName>
-                                        </p:attrNameLst>
-                                      </p:cBhvr>
-                                      <p:to>
-                                        <p:strVal val="visible"/>
-                                      </p:to>
-                                    </p:set>
-                                    <p:cmd type="call" cmd="playFrom(0.0)">
-                                      <p:cBhvr>
-                                        <p:cTn id="7" dur="1" fill="hold"/>
-                                        <p:tgtEl>
-                                          <p:spTgt spid="6"/>
-                                        </p:tgtEl>
-                                      </p:cBhvr>
-                                    </p:cmd>
-                                  </p:childTnLst>
-                                </p:cTn>
-                              </p:par>
-                            </p:childTnLst>
-                          </p:cTn>
-                        </p:par>
-                      </p:childTnLst>
-                    </p:cTn>
-                  </p:par>
-                </p:childTnLst>
-              </p:cTn>
-              <p:prevCondLst>
-                <p:cond evt="onPrev" delay="0">
-                  <p:tgtEl>
-                    <p:sldTgt/>
-                  </p:tgtEl>
-                </p:cond>
-              </p:prevCondLst>
-              <p:nextCondLst>
-                <p:cond evt="onNext" delay="0">
-                  <p:tgtEl>
-                    <p:sldTgt/>
-                  </p:tgtEl>
-                </p:cond>
-              </p:nextCondLst>
-            </p:seq>
-          </p:childTnLst>
-        </p:cTn>
-      </p:par>
-    </p:tnLst>
-  </p:timing>
 </p:sld>
 </file>
 
@@ -6247,12 +6035,12 @@
   <p:clrMapOvr>
     <a:masterClrMapping/>
   </p:clrMapOvr>
-  <mc:AlternateContent xmlns:mc="http://schemas.openxmlformats.org/markup-compatibility/2006" xmlns:p14="http://schemas.microsoft.com/office/powerpoint/2010/main">
-    <mc:Choice Requires="p14">
-      <p:transition spd="slow" p14:dur="2000" advTm="43144"/>
+  <mc:AlternateContent xmlns:mc="http://schemas.openxmlformats.org/markup-compatibility/2006">
+    <mc:Choice xmlns:p14="http://schemas.microsoft.com/office/powerpoint/2010/main" Requires="p14">
+      <p:transition spd="slow" p14:dur="2000" advTm="35381"/>
     </mc:Choice>
-    <mc:Fallback xmlns="">
-      <p:transition spd="slow" advTm="43144"/>
+    <mc:Fallback>
+      <p:transition spd="slow" advTm="35381"/>
     </mc:Fallback>
   </mc:AlternateContent>
 </p:sld>
@@ -6349,12 +6137,12 @@
   <p:clrMapOvr>
     <a:masterClrMapping/>
   </p:clrMapOvr>
-  <mc:AlternateContent xmlns:mc="http://schemas.openxmlformats.org/markup-compatibility/2006" xmlns:p14="http://schemas.microsoft.com/office/powerpoint/2010/main">
-    <mc:Choice Requires="p14">
-      <p:transition spd="slow" p14:dur="2000" advTm="32025"/>
+  <mc:AlternateContent xmlns:mc="http://schemas.openxmlformats.org/markup-compatibility/2006">
+    <mc:Choice xmlns:p14="http://schemas.microsoft.com/office/powerpoint/2010/main" Requires="p14">
+      <p:transition spd="slow" p14:dur="2000" advTm="23972"/>
     </mc:Choice>
-    <mc:Fallback xmlns="">
-      <p:transition spd="slow" advTm="32025"/>
+    <mc:Fallback>
+      <p:transition spd="slow" advTm="23972"/>
     </mc:Fallback>
   </mc:AlternateContent>
 </p:sld>
@@ -6451,12 +6239,12 @@
   <p:clrMapOvr>
     <a:masterClrMapping/>
   </p:clrMapOvr>
-  <mc:AlternateContent xmlns:mc="http://schemas.openxmlformats.org/markup-compatibility/2006" xmlns:p14="http://schemas.microsoft.com/office/powerpoint/2010/main">
-    <mc:Choice Requires="p14">
-      <p:transition spd="slow" p14:dur="2000" advTm="16322"/>
+  <mc:AlternateContent xmlns:mc="http://schemas.openxmlformats.org/markup-compatibility/2006">
+    <mc:Choice xmlns:p14="http://schemas.microsoft.com/office/powerpoint/2010/main" Requires="p14">
+      <p:transition spd="slow" p14:dur="2000" advTm="21545"/>
     </mc:Choice>
-    <mc:Fallback xmlns="">
-      <p:transition spd="slow" advTm="16322"/>
+    <mc:Fallback>
+      <p:transition spd="slow" advTm="21545"/>
     </mc:Fallback>
   </mc:AlternateContent>
 </p:sld>
@@ -6507,65 +6295,6 @@
           </a:p>
         </p:txBody>
       </p:sp>
-      <mc:AlternateContent xmlns:mc="http://schemas.openxmlformats.org/markup-compatibility/2006" xmlns:p14="http://schemas.microsoft.com/office/powerpoint/2010/main" xmlns:iact="http://schemas.microsoft.com/office/powerpoint/2014/inkAction">
-        <mc:Choice Requires="p14 iact">
-          <p:contentPart p14:bwMode="auto" r:id="rId2">
-            <p14:nvContentPartPr>
-              <p14:cNvPr id="4" name="Ink 3">
-                <a:extLst>
-                  <a:ext uri="{FF2B5EF4-FFF2-40B4-BE49-F238E27FC236}">
-                    <a16:creationId xmlns:a16="http://schemas.microsoft.com/office/drawing/2014/main" id="{56BA201B-47F6-376B-F7E3-532D7AB5F38D}"/>
-                  </a:ext>
-                </a:extLst>
-              </p14:cNvPr>
-              <p14:cNvContentPartPr/>
-              <p14:nvPr>
-                <p:extLst>
-                  <p:ext uri="{42D2F446-02D8-4167-A562-619A0277C38B}">
-                    <p15:isNarration xmlns:p15="http://schemas.microsoft.com/office/powerpoint/2012/main" val="1"/>
-                  </p:ext>
-                </p:extLst>
-              </p14:nvPr>
-            </p14:nvContentPartPr>
-            <p14:xfrm>
-              <a:off x="12106619" y="6292979"/>
-              <a:ext cx="2" cy="2"/>
-            </p14:xfrm>
-          </p:contentPart>
-        </mc:Choice>
-        <mc:Fallback xmlns="">
-          <p:pic>
-            <p:nvPicPr>
-              <p:cNvPr id="4" name="Ink 3">
-                <a:extLst>
-                  <a:ext uri="{FF2B5EF4-FFF2-40B4-BE49-F238E27FC236}">
-                    <a16:creationId xmlns:a16="http://schemas.microsoft.com/office/drawing/2014/main" id="{56BA201B-47F6-376B-F7E3-532D7AB5F38D}"/>
-                  </a:ext>
-                </a:extLst>
-              </p:cNvPr>
-              <p:cNvPicPr>
-                <a:picLocks noGrp="1" noRot="1" noChangeAspect="1" noMove="1" noResize="1" noEditPoints="1" noAdjustHandles="1" noChangeArrowheads="1" noChangeShapeType="1"/>
-              </p:cNvPicPr>
-              <p:nvPr/>
-            </p:nvPicPr>
-            <p:blipFill>
-              <a:blip r:embed="rId4"/>
-              <a:stretch>
-                <a:fillRect/>
-              </a:stretch>
-            </p:blipFill>
-            <p:spPr>
-              <a:xfrm>
-                <a:off x="12106619" y="6292979"/>
-                <a:ext cx="2" cy="2"/>
-              </a:xfrm>
-              <a:prstGeom prst="rect">
-                <a:avLst/>
-              </a:prstGeom>
-            </p:spPr>
-          </p:pic>
-        </mc:Fallback>
-      </mc:AlternateContent>
       <p:pic>
         <p:nvPicPr>
           <p:cNvPr id="6" name="Picture 5" descr="A graph of a bar chart&#10;&#10;Description automatically generated with medium confidence">
@@ -6581,7 +6310,7 @@
           <p:nvPr/>
         </p:nvPicPr>
         <p:blipFill>
-          <a:blip r:embed="rId5">
+          <a:blip r:embed="rId2">
             <a:extLst>
               <a:ext uri="{28A0092B-C50C-407E-A947-70E740481C1C}">
                 <a14:useLocalDpi xmlns:a14="http://schemas.microsoft.com/office/drawing/2010/main" val="0"/>
@@ -6612,100 +6341,14 @@
   <p:clrMapOvr>
     <a:masterClrMapping/>
   </p:clrMapOvr>
-  <mc:AlternateContent xmlns:mc="http://schemas.openxmlformats.org/markup-compatibility/2006" xmlns:p14="http://schemas.microsoft.com/office/powerpoint/2010/main">
-    <mc:Choice Requires="p14">
-      <p:transition spd="slow" p14:dur="2000" advTm="38134"/>
+  <mc:AlternateContent xmlns:mc="http://schemas.openxmlformats.org/markup-compatibility/2006">
+    <mc:Choice xmlns:p14="http://schemas.microsoft.com/office/powerpoint/2010/main" Requires="p14">
+      <p:transition spd="slow" p14:dur="2000" advTm="26472"/>
     </mc:Choice>
-    <mc:Fallback xmlns="">
-      <p:transition spd="slow" advTm="38134"/>
+    <mc:Fallback>
+      <p:transition spd="slow" advTm="26472"/>
     </mc:Fallback>
   </mc:AlternateContent>
-  <p:timing>
-    <p:tnLst>
-      <p:par>
-        <p:cTn id="1" dur="indefinite" restart="never" nodeType="tmRoot">
-          <p:childTnLst>
-            <p:seq concurrent="1" nextAc="seek">
-              <p:cTn id="2" dur="indefinite" nodeType="mainSeq">
-                <p:childTnLst>
-                  <p:par>
-                    <p:cTn id="3" fill="hold">
-                      <p:stCondLst>
-                        <p:cond delay="indefinite"/>
-                        <p:cond evt="onBegin" delay="0">
-                          <p:tn val="2"/>
-                        </p:cond>
-                      </p:stCondLst>
-                      <p:childTnLst>
-                        <p:par>
-                          <p:cTn id="4" fill="hold">
-                            <p:stCondLst>
-                              <p:cond delay="0"/>
-                            </p:stCondLst>
-                            <p:childTnLst>
-                              <p:par>
-                                <p:cTn id="5" presetID="59" presetClass="entr" presetSubtype="0" fill="hold" nodeType="withEffect">
-                                  <p:stCondLst>
-                                    <p:cond delay="0"/>
-                                  </p:stCondLst>
-                                  <p:childTnLst>
-                                    <p:set>
-                                      <p:cBhvr>
-                                        <p:cTn id="6" dur="1" fill="hold">
-                                          <p:stCondLst>
-                                            <p:cond delay="0"/>
-                                          </p:stCondLst>
-                                        </p:cTn>
-                                        <p:tgtEl>
-                                          <p:spTgt spid="4"/>
-                                        </p:tgtEl>
-                                        <p:attrNameLst>
-                                          <p:attrName>style.visibility</p:attrName>
-                                        </p:attrNameLst>
-                                      </p:cBhvr>
-                                      <p:to>
-                                        <p:strVal val="visible"/>
-                                      </p:to>
-                                    </p:set>
-                                    <p:cmd type="call" cmd="playFrom(0.0)">
-                                      <p:cBhvr>
-                                        <p:cTn id="7" dur="1" fill="hold"/>
-                                        <p:tgtEl>
-                                          <p:spTgt spid="4"/>
-                                        </p:tgtEl>
-                                      </p:cBhvr>
-                                    </p:cmd>
-                                  </p:childTnLst>
-                                </p:cTn>
-                              </p:par>
-                            </p:childTnLst>
-                          </p:cTn>
-                        </p:par>
-                      </p:childTnLst>
-                    </p:cTn>
-                  </p:par>
-                </p:childTnLst>
-              </p:cTn>
-              <p:prevCondLst>
-                <p:cond evt="onPrev" delay="0">
-                  <p:tgtEl>
-                    <p:sldTgt/>
-                  </p:tgtEl>
-                </p:cond>
-              </p:prevCondLst>
-              <p:nextCondLst>
-                <p:cond evt="onNext" delay="0">
-                  <p:tgtEl>
-                    <p:sldTgt/>
-                  </p:tgtEl>
-                </p:cond>
-              </p:nextCondLst>
-            </p:seq>
-          </p:childTnLst>
-        </p:cTn>
-      </p:par>
-    </p:tnLst>
-  </p:timing>
 </p:sld>
 </file>
 
@@ -6754,65 +6397,6 @@
           </a:p>
         </p:txBody>
       </p:sp>
-      <mc:AlternateContent xmlns:mc="http://schemas.openxmlformats.org/markup-compatibility/2006" xmlns:p14="http://schemas.microsoft.com/office/powerpoint/2010/main" xmlns:iact="http://schemas.microsoft.com/office/powerpoint/2014/inkAction">
-        <mc:Choice Requires="p14 iact">
-          <p:contentPart p14:bwMode="auto" r:id="rId2">
-            <p14:nvContentPartPr>
-              <p14:cNvPr id="4" name="Ink 3">
-                <a:extLst>
-                  <a:ext uri="{FF2B5EF4-FFF2-40B4-BE49-F238E27FC236}">
-                    <a16:creationId xmlns:a16="http://schemas.microsoft.com/office/drawing/2014/main" id="{56BA201B-47F6-376B-F7E3-532D7AB5F38D}"/>
-                  </a:ext>
-                </a:extLst>
-              </p14:cNvPr>
-              <p14:cNvContentPartPr/>
-              <p14:nvPr>
-                <p:extLst>
-                  <p:ext uri="{42D2F446-02D8-4167-A562-619A0277C38B}">
-                    <p15:isNarration xmlns:p15="http://schemas.microsoft.com/office/powerpoint/2012/main" val="1"/>
-                  </p:ext>
-                </p:extLst>
-              </p14:nvPr>
-            </p14:nvContentPartPr>
-            <p14:xfrm>
-              <a:off x="12106619" y="6292979"/>
-              <a:ext cx="2" cy="2"/>
-            </p14:xfrm>
-          </p:contentPart>
-        </mc:Choice>
-        <mc:Fallback xmlns="">
-          <p:pic>
-            <p:nvPicPr>
-              <p:cNvPr id="4" name="Ink 3">
-                <a:extLst>
-                  <a:ext uri="{FF2B5EF4-FFF2-40B4-BE49-F238E27FC236}">
-                    <a16:creationId xmlns:a16="http://schemas.microsoft.com/office/drawing/2014/main" id="{56BA201B-47F6-376B-F7E3-532D7AB5F38D}"/>
-                  </a:ext>
-                </a:extLst>
-              </p:cNvPr>
-              <p:cNvPicPr>
-                <a:picLocks noGrp="1" noRot="1" noChangeAspect="1" noMove="1" noResize="1" noEditPoints="1" noAdjustHandles="1" noChangeArrowheads="1" noChangeShapeType="1"/>
-              </p:cNvPicPr>
-              <p:nvPr/>
-            </p:nvPicPr>
-            <p:blipFill>
-              <a:blip r:embed="rId4"/>
-              <a:stretch>
-                <a:fillRect/>
-              </a:stretch>
-            </p:blipFill>
-            <p:spPr>
-              <a:xfrm>
-                <a:off x="12106619" y="6292979"/>
-                <a:ext cx="2" cy="2"/>
-              </a:xfrm>
-              <a:prstGeom prst="rect">
-                <a:avLst/>
-              </a:prstGeom>
-            </p:spPr>
-          </p:pic>
-        </mc:Fallback>
-      </mc:AlternateContent>
       <p:pic>
         <p:nvPicPr>
           <p:cNvPr id="5" name="Picture 4" descr="A comparison of a graph&#10;&#10;Description automatically generated with medium confidence">
@@ -6828,7 +6412,7 @@
           <p:nvPr/>
         </p:nvPicPr>
         <p:blipFill>
-          <a:blip r:embed="rId5">
+          <a:blip r:embed="rId2">
             <a:extLst>
               <a:ext uri="{28A0092B-C50C-407E-A947-70E740481C1C}">
                 <a14:useLocalDpi xmlns:a14="http://schemas.microsoft.com/office/drawing/2010/main" val="0"/>
@@ -6859,100 +6443,14 @@
   <p:clrMapOvr>
     <a:masterClrMapping/>
   </p:clrMapOvr>
-  <mc:AlternateContent xmlns:mc="http://schemas.openxmlformats.org/markup-compatibility/2006" xmlns:p14="http://schemas.microsoft.com/office/powerpoint/2010/main">
-    <mc:Choice Requires="p14">
-      <p:transition spd="slow" p14:dur="2000" advTm="38134"/>
+  <mc:AlternateContent xmlns:mc="http://schemas.openxmlformats.org/markup-compatibility/2006">
+    <mc:Choice xmlns:p14="http://schemas.microsoft.com/office/powerpoint/2010/main" Requires="p14">
+      <p:transition spd="slow" p14:dur="2000" advTm="31083"/>
     </mc:Choice>
-    <mc:Fallback xmlns="">
-      <p:transition spd="slow" advTm="38134"/>
+    <mc:Fallback>
+      <p:transition spd="slow" advTm="31083"/>
     </mc:Fallback>
   </mc:AlternateContent>
-  <p:timing>
-    <p:tnLst>
-      <p:par>
-        <p:cTn id="1" dur="indefinite" restart="never" nodeType="tmRoot">
-          <p:childTnLst>
-            <p:seq concurrent="1" nextAc="seek">
-              <p:cTn id="2" dur="indefinite" nodeType="mainSeq">
-                <p:childTnLst>
-                  <p:par>
-                    <p:cTn id="3" fill="hold">
-                      <p:stCondLst>
-                        <p:cond delay="indefinite"/>
-                        <p:cond evt="onBegin" delay="0">
-                          <p:tn val="2"/>
-                        </p:cond>
-                      </p:stCondLst>
-                      <p:childTnLst>
-                        <p:par>
-                          <p:cTn id="4" fill="hold">
-                            <p:stCondLst>
-                              <p:cond delay="0"/>
-                            </p:stCondLst>
-                            <p:childTnLst>
-                              <p:par>
-                                <p:cTn id="5" presetID="59" presetClass="entr" presetSubtype="0" fill="hold" nodeType="withEffect">
-                                  <p:stCondLst>
-                                    <p:cond delay="0"/>
-                                  </p:stCondLst>
-                                  <p:childTnLst>
-                                    <p:set>
-                                      <p:cBhvr>
-                                        <p:cTn id="6" dur="1" fill="hold">
-                                          <p:stCondLst>
-                                            <p:cond delay="0"/>
-                                          </p:stCondLst>
-                                        </p:cTn>
-                                        <p:tgtEl>
-                                          <p:spTgt spid="4"/>
-                                        </p:tgtEl>
-                                        <p:attrNameLst>
-                                          <p:attrName>style.visibility</p:attrName>
-                                        </p:attrNameLst>
-                                      </p:cBhvr>
-                                      <p:to>
-                                        <p:strVal val="visible"/>
-                                      </p:to>
-                                    </p:set>
-                                    <p:cmd type="call" cmd="playFrom(0.0)">
-                                      <p:cBhvr>
-                                        <p:cTn id="7" dur="1" fill="hold"/>
-                                        <p:tgtEl>
-                                          <p:spTgt spid="4"/>
-                                        </p:tgtEl>
-                                      </p:cBhvr>
-                                    </p:cmd>
-                                  </p:childTnLst>
-                                </p:cTn>
-                              </p:par>
-                            </p:childTnLst>
-                          </p:cTn>
-                        </p:par>
-                      </p:childTnLst>
-                    </p:cTn>
-                  </p:par>
-                </p:childTnLst>
-              </p:cTn>
-              <p:prevCondLst>
-                <p:cond evt="onPrev" delay="0">
-                  <p:tgtEl>
-                    <p:sldTgt/>
-                  </p:tgtEl>
-                </p:cond>
-              </p:prevCondLst>
-              <p:nextCondLst>
-                <p:cond evt="onNext" delay="0">
-                  <p:tgtEl>
-                    <p:sldTgt/>
-                  </p:tgtEl>
-                </p:cond>
-              </p:nextCondLst>
-            </p:seq>
-          </p:childTnLst>
-        </p:cTn>
-      </p:par>
-    </p:tnLst>
-  </p:timing>
 </p:sld>
 </file>
 
